--- a/powerpoint/yo.pptx
+++ b/powerpoint/yo.pptx
@@ -243,7 +243,7 @@
           <a:p>
             <a:fld id="{9DF1ED94-BDBC-D74B-8638-89CABDF8037C}" type="datetimeFigureOut">
               <a:rPr kumimoji="1" lang="ja-JP" altLang="en-US" smtClean="0"/>
-              <a:t>2025/2/4</a:t>
+              <a:t>2025/2/5</a:t>
             </a:fld>
             <a:endParaRPr kumimoji="1" lang="ja-JP" altLang="en-US"/>
           </a:p>
@@ -445,7 +445,7 @@
           <a:p>
             <a:fld id="{9DF1ED94-BDBC-D74B-8638-89CABDF8037C}" type="datetimeFigureOut">
               <a:rPr kumimoji="1" lang="ja-JP" altLang="en-US" smtClean="0"/>
-              <a:t>2025/2/4</a:t>
+              <a:t>2025/2/5</a:t>
             </a:fld>
             <a:endParaRPr kumimoji="1" lang="ja-JP" altLang="en-US"/>
           </a:p>
@@ -657,7 +657,7 @@
           <a:p>
             <a:fld id="{9DF1ED94-BDBC-D74B-8638-89CABDF8037C}" type="datetimeFigureOut">
               <a:rPr kumimoji="1" lang="ja-JP" altLang="en-US" smtClean="0"/>
-              <a:t>2025/2/4</a:t>
+              <a:t>2025/2/5</a:t>
             </a:fld>
             <a:endParaRPr kumimoji="1" lang="ja-JP" altLang="en-US"/>
           </a:p>
@@ -859,7 +859,7 @@
           <a:p>
             <a:fld id="{9DF1ED94-BDBC-D74B-8638-89CABDF8037C}" type="datetimeFigureOut">
               <a:rPr kumimoji="1" lang="ja-JP" altLang="en-US" smtClean="0"/>
-              <a:t>2025/2/4</a:t>
+              <a:t>2025/2/5</a:t>
             </a:fld>
             <a:endParaRPr kumimoji="1" lang="ja-JP" altLang="en-US"/>
           </a:p>
@@ -1105,7 +1105,7 @@
           <a:p>
             <a:fld id="{9DF1ED94-BDBC-D74B-8638-89CABDF8037C}" type="datetimeFigureOut">
               <a:rPr kumimoji="1" lang="ja-JP" altLang="en-US" smtClean="0"/>
-              <a:t>2025/2/4</a:t>
+              <a:t>2025/2/5</a:t>
             </a:fld>
             <a:endParaRPr kumimoji="1" lang="ja-JP" altLang="en-US"/>
           </a:p>
@@ -1401,7 +1401,7 @@
           <a:p>
             <a:fld id="{9DF1ED94-BDBC-D74B-8638-89CABDF8037C}" type="datetimeFigureOut">
               <a:rPr kumimoji="1" lang="ja-JP" altLang="en-US" smtClean="0"/>
-              <a:t>2025/2/4</a:t>
+              <a:t>2025/2/5</a:t>
             </a:fld>
             <a:endParaRPr kumimoji="1" lang="ja-JP" altLang="en-US"/>
           </a:p>
@@ -1832,7 +1832,7 @@
           <a:p>
             <a:fld id="{9DF1ED94-BDBC-D74B-8638-89CABDF8037C}" type="datetimeFigureOut">
               <a:rPr kumimoji="1" lang="ja-JP" altLang="en-US" smtClean="0"/>
-              <a:t>2025/2/4</a:t>
+              <a:t>2025/2/5</a:t>
             </a:fld>
             <a:endParaRPr kumimoji="1" lang="ja-JP" altLang="en-US"/>
           </a:p>
@@ -1950,7 +1950,7 @@
           <a:p>
             <a:fld id="{9DF1ED94-BDBC-D74B-8638-89CABDF8037C}" type="datetimeFigureOut">
               <a:rPr kumimoji="1" lang="ja-JP" altLang="en-US" smtClean="0"/>
-              <a:t>2025/2/4</a:t>
+              <a:t>2025/2/5</a:t>
             </a:fld>
             <a:endParaRPr kumimoji="1" lang="ja-JP" altLang="en-US"/>
           </a:p>
@@ -2045,7 +2045,7 @@
           <a:p>
             <a:fld id="{9DF1ED94-BDBC-D74B-8638-89CABDF8037C}" type="datetimeFigureOut">
               <a:rPr kumimoji="1" lang="ja-JP" altLang="en-US" smtClean="0"/>
-              <a:t>2025/2/4</a:t>
+              <a:t>2025/2/5</a:t>
             </a:fld>
             <a:endParaRPr kumimoji="1" lang="ja-JP" altLang="en-US"/>
           </a:p>
@@ -2354,7 +2354,7 @@
           <a:p>
             <a:fld id="{9DF1ED94-BDBC-D74B-8638-89CABDF8037C}" type="datetimeFigureOut">
               <a:rPr kumimoji="1" lang="ja-JP" altLang="en-US" smtClean="0"/>
-              <a:t>2025/2/4</a:t>
+              <a:t>2025/2/5</a:t>
             </a:fld>
             <a:endParaRPr kumimoji="1" lang="ja-JP" altLang="en-US"/>
           </a:p>
@@ -2611,7 +2611,7 @@
           <a:p>
             <a:fld id="{9DF1ED94-BDBC-D74B-8638-89CABDF8037C}" type="datetimeFigureOut">
               <a:rPr kumimoji="1" lang="ja-JP" altLang="en-US" smtClean="0"/>
-              <a:t>2025/2/4</a:t>
+              <a:t>2025/2/5</a:t>
             </a:fld>
             <a:endParaRPr kumimoji="1" lang="ja-JP" altLang="en-US"/>
           </a:p>
@@ -2856,7 +2856,7 @@
           <a:p>
             <a:fld id="{9DF1ED94-BDBC-D74B-8638-89CABDF8037C}" type="datetimeFigureOut">
               <a:rPr kumimoji="1" lang="ja-JP" altLang="en-US" smtClean="0"/>
-              <a:t>2025/2/4</a:t>
+              <a:t>2025/2/5</a:t>
             </a:fld>
             <a:endParaRPr kumimoji="1" lang="ja-JP" altLang="en-US"/>
           </a:p>
@@ -3282,7 +3282,7 @@
             <a:avLst/>
           </a:prstGeom>
           <a:noFill/>
-          <a:ln w="76200" cap="flat" cmpd="sng" algn="ctr">
+          <a:ln w="1270000" cap="flat" cmpd="sng" algn="ctr">
             <a:solidFill>
               <a:schemeClr val="dk1"/>
             </a:solidFill>
